--- a/Presentation/Group B greatOutdoors_ABHISHEK.pptx
+++ b/Presentation/Group B greatOutdoors_ABHISHEK.pptx
@@ -115,6 +115,11 @@
       </a:defRPr>
     </a:lvl9pPr>
   </p:defaultTextStyle>
+  <p:extLst>
+    <p:ext uri="{EFAFB233-063F-42B5-8137-9DF3F51BA10A}">
+      <p15:sldGuideLst xmlns:p15="http://schemas.microsoft.com/office/powerpoint/2012/main"/>
+    </p:ext>
+  </p:extLst>
 </p:presentation>
 </file>
 
@@ -304,7 +309,7 @@
           <a:p>
             <a:fld id="{A7935A75-0220-419E-84F5-C467564B8A31}" type="datetimeFigureOut">
               <a:rPr lang="en-US" smtClean="0"/>
-              <a:t>9/15/2019</a:t>
+              <a:t>9/16/2019</a:t>
             </a:fld>
             <a:endParaRPr lang="en-US"/>
           </a:p>
@@ -579,7 +584,7 @@
           <a:p>
             <a:fld id="{A7935A75-0220-419E-84F5-C467564B8A31}" type="datetimeFigureOut">
               <a:rPr lang="en-US" smtClean="0"/>
-              <a:t>9/15/2019</a:t>
+              <a:t>9/16/2019</a:t>
             </a:fld>
             <a:endParaRPr lang="en-US"/>
           </a:p>
@@ -773,7 +778,7 @@
           <a:p>
             <a:fld id="{A7935A75-0220-419E-84F5-C467564B8A31}" type="datetimeFigureOut">
               <a:rPr lang="en-US" smtClean="0"/>
-              <a:t>9/15/2019</a:t>
+              <a:t>9/16/2019</a:t>
             </a:fld>
             <a:endParaRPr lang="en-US"/>
           </a:p>
@@ -1046,7 +1051,7 @@
           <a:p>
             <a:fld id="{A7935A75-0220-419E-84F5-C467564B8A31}" type="datetimeFigureOut">
               <a:rPr lang="en-US" smtClean="0"/>
-              <a:t>9/15/2019</a:t>
+              <a:t>9/16/2019</a:t>
             </a:fld>
             <a:endParaRPr lang="en-US"/>
           </a:p>
@@ -1387,7 +1392,7 @@
           <a:p>
             <a:fld id="{A7935A75-0220-419E-84F5-C467564B8A31}" type="datetimeFigureOut">
               <a:rPr lang="en-US" smtClean="0"/>
-              <a:t>9/15/2019</a:t>
+              <a:t>9/16/2019</a:t>
             </a:fld>
             <a:endParaRPr lang="en-US"/>
           </a:p>
@@ -2010,7 +2015,7 @@
           <a:p>
             <a:fld id="{A7935A75-0220-419E-84F5-C467564B8A31}" type="datetimeFigureOut">
               <a:rPr lang="en-US" smtClean="0"/>
-              <a:t>9/15/2019</a:t>
+              <a:t>9/16/2019</a:t>
             </a:fld>
             <a:endParaRPr lang="en-US"/>
           </a:p>
@@ -2870,7 +2875,7 @@
           <a:p>
             <a:fld id="{A7935A75-0220-419E-84F5-C467564B8A31}" type="datetimeFigureOut">
               <a:rPr lang="en-US" smtClean="0"/>
-              <a:t>9/15/2019</a:t>
+              <a:t>9/16/2019</a:t>
             </a:fld>
             <a:endParaRPr lang="en-US"/>
           </a:p>
@@ -3040,7 +3045,7 @@
           <a:p>
             <a:fld id="{A7935A75-0220-419E-84F5-C467564B8A31}" type="datetimeFigureOut">
               <a:rPr lang="en-US" smtClean="0"/>
-              <a:t>9/15/2019</a:t>
+              <a:t>9/16/2019</a:t>
             </a:fld>
             <a:endParaRPr lang="en-US"/>
           </a:p>
@@ -3220,7 +3225,7 @@
           <a:p>
             <a:fld id="{A7935A75-0220-419E-84F5-C467564B8A31}" type="datetimeFigureOut">
               <a:rPr lang="en-US" smtClean="0"/>
-              <a:t>9/15/2019</a:t>
+              <a:t>9/16/2019</a:t>
             </a:fld>
             <a:endParaRPr lang="en-US"/>
           </a:p>
@@ -3390,7 +3395,7 @@
           <a:p>
             <a:fld id="{A7935A75-0220-419E-84F5-C467564B8A31}" type="datetimeFigureOut">
               <a:rPr lang="en-US" smtClean="0"/>
-              <a:t>9/15/2019</a:t>
+              <a:t>9/16/2019</a:t>
             </a:fld>
             <a:endParaRPr lang="en-US"/>
           </a:p>
@@ -3637,7 +3642,7 @@
           <a:p>
             <a:fld id="{A7935A75-0220-419E-84F5-C467564B8A31}" type="datetimeFigureOut">
               <a:rPr lang="en-US" smtClean="0"/>
-              <a:t>9/15/2019</a:t>
+              <a:t>9/16/2019</a:t>
             </a:fld>
             <a:endParaRPr lang="en-US"/>
           </a:p>
@@ -3929,7 +3934,7 @@
           <a:p>
             <a:fld id="{A7935A75-0220-419E-84F5-C467564B8A31}" type="datetimeFigureOut">
               <a:rPr lang="en-US" smtClean="0"/>
-              <a:t>9/15/2019</a:t>
+              <a:t>9/16/2019</a:t>
             </a:fld>
             <a:endParaRPr lang="en-US"/>
           </a:p>
@@ -4373,7 +4378,7 @@
           <a:p>
             <a:fld id="{A7935A75-0220-419E-84F5-C467564B8A31}" type="datetimeFigureOut">
               <a:rPr lang="en-US" smtClean="0"/>
-              <a:t>9/15/2019</a:t>
+              <a:t>9/16/2019</a:t>
             </a:fld>
             <a:endParaRPr lang="en-US"/>
           </a:p>
@@ -4491,7 +4496,7 @@
           <a:p>
             <a:fld id="{A7935A75-0220-419E-84F5-C467564B8A31}" type="datetimeFigureOut">
               <a:rPr lang="en-US" smtClean="0"/>
-              <a:t>9/15/2019</a:t>
+              <a:t>9/16/2019</a:t>
             </a:fld>
             <a:endParaRPr lang="en-US"/>
           </a:p>
@@ -4586,7 +4591,7 @@
           <a:p>
             <a:fld id="{A7935A75-0220-419E-84F5-C467564B8A31}" type="datetimeFigureOut">
               <a:rPr lang="en-US" smtClean="0"/>
-              <a:t>9/15/2019</a:t>
+              <a:t>9/16/2019</a:t>
             </a:fld>
             <a:endParaRPr lang="en-US"/>
           </a:p>
@@ -4865,7 +4870,7 @@
           <a:p>
             <a:fld id="{A7935A75-0220-419E-84F5-C467564B8A31}" type="datetimeFigureOut">
               <a:rPr lang="en-US" smtClean="0"/>
-              <a:t>9/15/2019</a:t>
+              <a:t>9/16/2019</a:t>
             </a:fld>
             <a:endParaRPr lang="en-US"/>
           </a:p>
@@ -5140,7 +5145,7 @@
           <a:p>
             <a:fld id="{A7935A75-0220-419E-84F5-C467564B8A31}" type="datetimeFigureOut">
               <a:rPr lang="en-US" smtClean="0"/>
-              <a:t>9/15/2019</a:t>
+              <a:t>9/16/2019</a:t>
             </a:fld>
             <a:endParaRPr lang="en-US"/>
           </a:p>
@@ -5569,7 +5574,7 @@
           <a:p>
             <a:fld id="{A7935A75-0220-419E-84F5-C467564B8A31}" type="datetimeFigureOut">
               <a:rPr lang="en-US" smtClean="0"/>
-              <a:t>9/15/2019</a:t>
+              <a:t>9/16/2019</a:t>
             </a:fld>
             <a:endParaRPr lang="en-US"/>
           </a:p>
@@ -6102,7 +6107,7 @@
           <p:cNvPr id="2" name="Title 1">
             <a:extLst>
               <a:ext uri="{FF2B5EF4-FFF2-40B4-BE49-F238E27FC236}">
-                <a16:creationId xmlns:a16="http://schemas.microsoft.com/office/drawing/2014/main" id="{3DE459FE-6616-4ECB-A65C-8FD4C39FAD7A}"/>
+                <a16:creationId xmlns:a16="http://schemas.microsoft.com/office/drawing/2014/main" xmlns="" id="{3DE459FE-6616-4ECB-A65C-8FD4C39FAD7A}"/>
               </a:ext>
             </a:extLst>
           </p:cNvPr>
@@ -6150,7 +6155,7 @@
           <p:cNvPr id="3" name="Subtitle 2">
             <a:extLst>
               <a:ext uri="{FF2B5EF4-FFF2-40B4-BE49-F238E27FC236}">
-                <a16:creationId xmlns:a16="http://schemas.microsoft.com/office/drawing/2014/main" id="{74DD0ECB-3322-428C-8D7C-1FB23DD3AA4D}"/>
+                <a16:creationId xmlns:a16="http://schemas.microsoft.com/office/drawing/2014/main" xmlns="" id="{74DD0ECB-3322-428C-8D7C-1FB23DD3AA4D}"/>
               </a:ext>
             </a:extLst>
           </p:cNvPr>
@@ -6386,6 +6391,44 @@
           </a:extLst>
         </p:spPr>
       </p:pic>
+      <p:sp>
+        <p:nvSpPr>
+          <p:cNvPr id="3" name="TextBox 2"/>
+          <p:cNvSpPr txBox="1"/>
+          <p:nvPr/>
+        </p:nvSpPr>
+        <p:spPr>
+          <a:xfrm>
+            <a:off x="4312693" y="159502"/>
+            <a:ext cx="6141492" cy="369332"/>
+          </a:xfrm>
+          <a:prstGeom prst="rect">
+            <a:avLst/>
+          </a:prstGeom>
+          <a:noFill/>
+        </p:spPr>
+        <p:txBody>
+          <a:bodyPr wrap="square" rtlCol="0">
+            <a:spAutoFit/>
+          </a:bodyPr>
+          <a:lstStyle/>
+          <a:p>
+            <a:r>
+              <a:rPr lang="en-US" b="1" dirty="0" smtClean="0">
+                <a:solidFill>
+                  <a:schemeClr val="bg1"/>
+                </a:solidFill>
+              </a:rPr>
+              <a:t>OFFLINE ORDER CLASS DIAGRAM</a:t>
+            </a:r>
+            <a:endParaRPr lang="en-IN" b="1" dirty="0">
+              <a:solidFill>
+                <a:schemeClr val="bg1"/>
+              </a:solidFill>
+            </a:endParaRPr>
+          </a:p>
+        </p:txBody>
+      </p:sp>
     </p:spTree>
     <p:extLst>
       <p:ext uri="{BB962C8B-B14F-4D97-AF65-F5344CB8AC3E}">
@@ -6464,6 +6507,44 @@
           </a:extLst>
         </p:spPr>
       </p:pic>
+      <p:sp>
+        <p:nvSpPr>
+          <p:cNvPr id="3" name="TextBox 2"/>
+          <p:cNvSpPr txBox="1"/>
+          <p:nvPr/>
+        </p:nvSpPr>
+        <p:spPr>
+          <a:xfrm>
+            <a:off x="4312693" y="159502"/>
+            <a:ext cx="6141492" cy="369332"/>
+          </a:xfrm>
+          <a:prstGeom prst="rect">
+            <a:avLst/>
+          </a:prstGeom>
+          <a:noFill/>
+        </p:spPr>
+        <p:txBody>
+          <a:bodyPr wrap="square" rtlCol="0">
+            <a:spAutoFit/>
+          </a:bodyPr>
+          <a:lstStyle/>
+          <a:p>
+            <a:r>
+              <a:rPr lang="en-US" b="1" dirty="0" smtClean="0">
+                <a:solidFill>
+                  <a:schemeClr val="bg1"/>
+                </a:solidFill>
+              </a:rPr>
+              <a:t>OFFLINE RETURN CLASS DIAGRAM</a:t>
+            </a:r>
+            <a:endParaRPr lang="en-IN" b="1" dirty="0">
+              <a:solidFill>
+                <a:schemeClr val="bg1"/>
+              </a:solidFill>
+            </a:endParaRPr>
+          </a:p>
+        </p:txBody>
+      </p:sp>
     </p:spTree>
     <p:extLst>
       <p:ext uri="{BB962C8B-B14F-4D97-AF65-F5344CB8AC3E}">

--- a/Presentation/Group B greatOutdoors_ABHISHEK.pptx
+++ b/Presentation/Group B greatOutdoors_ABHISHEK.pptx
@@ -6107,7 +6107,7 @@
           <p:cNvPr id="2" name="Title 1">
             <a:extLst>
               <a:ext uri="{FF2B5EF4-FFF2-40B4-BE49-F238E27FC236}">
-                <a16:creationId xmlns:a16="http://schemas.microsoft.com/office/drawing/2014/main" xmlns="" id="{3DE459FE-6616-4ECB-A65C-8FD4C39FAD7A}"/>
+                <a16:creationId xmlns="" xmlns:a16="http://schemas.microsoft.com/office/drawing/2014/main" id="{3DE459FE-6616-4ECB-A65C-8FD4C39FAD7A}"/>
               </a:ext>
             </a:extLst>
           </p:cNvPr>
@@ -6155,7 +6155,7 @@
           <p:cNvPr id="3" name="Subtitle 2">
             <a:extLst>
               <a:ext uri="{FF2B5EF4-FFF2-40B4-BE49-F238E27FC236}">
-                <a16:creationId xmlns:a16="http://schemas.microsoft.com/office/drawing/2014/main" xmlns="" id="{74DD0ECB-3322-428C-8D7C-1FB23DD3AA4D}"/>
+                <a16:creationId xmlns="" xmlns:a16="http://schemas.microsoft.com/office/drawing/2014/main" id="{74DD0ECB-3322-428C-8D7C-1FB23DD3AA4D}"/>
               </a:ext>
             </a:extLst>
           </p:cNvPr>
@@ -6687,7 +6687,7 @@
           <a:lstStyle/>
           <a:p>
             <a:r>
-              <a:rPr lang="en-US" dirty="0" smtClean="0"/>
+              <a:rPr lang="en-US" b="1" dirty="0" smtClean="0"/>
               <a:t>Epic: Salesman should upload offline order in website.</a:t>
             </a:r>
           </a:p>
@@ -6740,7 +6740,7 @@
               </a:buClr>
             </a:pPr>
             <a:r>
-              <a:rPr lang="en-US" dirty="0">
+              <a:rPr lang="en-US" b="1" dirty="0">
                 <a:solidFill>
                   <a:prstClr val="white"/>
                 </a:solidFill>
@@ -6748,7 +6748,7 @@
               <a:t>Epic: Salesman should upload offline </a:t>
             </a:r>
             <a:r>
-              <a:rPr lang="en-US" dirty="0" smtClean="0">
+              <a:rPr lang="en-US" b="1" dirty="0" smtClean="0">
                 <a:solidFill>
                   <a:prstClr val="white"/>
                 </a:solidFill>
@@ -6756,7 +6756,7 @@
               <a:t>returns </a:t>
             </a:r>
             <a:r>
-              <a:rPr lang="en-US" dirty="0">
+              <a:rPr lang="en-US" b="1" dirty="0">
                 <a:solidFill>
                   <a:prstClr val="white"/>
                 </a:solidFill>
@@ -6764,7 +6764,7 @@
               <a:t>in website</a:t>
             </a:r>
             <a:r>
-              <a:rPr lang="en-US" dirty="0" smtClean="0">
+              <a:rPr lang="en-US" b="1" dirty="0" smtClean="0">
                 <a:solidFill>
                   <a:prstClr val="white"/>
                 </a:solidFill>
@@ -6808,8 +6808,21 @@
                   <a:prstClr val="white"/>
                 </a:solidFill>
               </a:rPr>
-              <a:t>Salesman can upload return details by adding reason for returns,</a:t>
-            </a:r>
+              <a:t>Salesman can upload return details by adding reason for </a:t>
+            </a:r>
+            <a:r>
+              <a:rPr lang="en-US" dirty="0" smtClean="0">
+                <a:solidFill>
+                  <a:prstClr val="white"/>
+                </a:solidFill>
+              </a:rPr>
+              <a:t>returns.</a:t>
+            </a:r>
+            <a:endParaRPr lang="en-US" dirty="0" smtClean="0">
+              <a:solidFill>
+                <a:prstClr val="white"/>
+              </a:solidFill>
+            </a:endParaRPr>
           </a:p>
           <a:p>
             <a:pPr marL="457200" lvl="0" indent="-457200">

--- a/Presentation/Group B greatOutdoors_ABHISHEK.pptx
+++ b/Presentation/Group B greatOutdoors_ABHISHEK.pptx
@@ -6,10 +6,10 @@
   </p:sldMasterIdLst>
   <p:sldIdLst>
     <p:sldId id="266" r:id="rId2"/>
-    <p:sldId id="267" r:id="rId3"/>
-    <p:sldId id="269" r:id="rId4"/>
-    <p:sldId id="258" r:id="rId5"/>
-    <p:sldId id="270" r:id="rId6"/>
+    <p:sldId id="269" r:id="rId3"/>
+    <p:sldId id="258" r:id="rId4"/>
+    <p:sldId id="270" r:id="rId5"/>
+    <p:sldId id="267" r:id="rId6"/>
     <p:sldId id="262" r:id="rId7"/>
     <p:sldId id="260" r:id="rId8"/>
     <p:sldId id="259" r:id="rId9"/>
@@ -6107,7 +6107,7 @@
           <p:cNvPr id="2" name="Title 1">
             <a:extLst>
               <a:ext uri="{FF2B5EF4-FFF2-40B4-BE49-F238E27FC236}">
-                <a16:creationId xmlns="" xmlns:a16="http://schemas.microsoft.com/office/drawing/2014/main" id="{3DE459FE-6616-4ECB-A65C-8FD4C39FAD7A}"/>
+                <a16:creationId xmlns:a16="http://schemas.microsoft.com/office/drawing/2014/main" xmlns="" id="{3DE459FE-6616-4ECB-A65C-8FD4C39FAD7A}"/>
               </a:ext>
             </a:extLst>
           </p:cNvPr>
@@ -6155,7 +6155,7 @@
           <p:cNvPr id="3" name="Subtitle 2">
             <a:extLst>
               <a:ext uri="{FF2B5EF4-FFF2-40B4-BE49-F238E27FC236}">
-                <a16:creationId xmlns="" xmlns:a16="http://schemas.microsoft.com/office/drawing/2014/main" id="{74DD0ECB-3322-428C-8D7C-1FB23DD3AA4D}"/>
+                <a16:creationId xmlns:a16="http://schemas.microsoft.com/office/drawing/2014/main" xmlns="" id="{74DD0ECB-3322-428C-8D7C-1FB23DD3AA4D}"/>
               </a:ext>
             </a:extLst>
           </p:cNvPr>
@@ -6648,271 +6648,6 @@
           <a:chExt cx="0" cy="0"/>
         </a:xfrm>
       </p:grpSpPr>
-      <p:sp>
-        <p:nvSpPr>
-          <p:cNvPr id="2" name="Title 1"/>
-          <p:cNvSpPr>
-            <a:spLocks noGrp="1"/>
-          </p:cNvSpPr>
-          <p:nvPr>
-            <p:ph type="title"/>
-          </p:nvPr>
-        </p:nvSpPr>
-        <p:spPr/>
-        <p:txBody>
-          <a:bodyPr/>
-          <a:lstStyle/>
-          <a:p>
-            <a:r>
-              <a:rPr lang="en-US" dirty="0" smtClean="0"/>
-              <a:t>Epic and User Stories</a:t>
-            </a:r>
-            <a:endParaRPr lang="en-US" dirty="0"/>
-          </a:p>
-        </p:txBody>
-      </p:sp>
-      <p:sp>
-        <p:nvSpPr>
-          <p:cNvPr id="3" name="Content Placeholder 2"/>
-          <p:cNvSpPr>
-            <a:spLocks noGrp="1"/>
-          </p:cNvSpPr>
-          <p:nvPr>
-            <p:ph idx="1"/>
-          </p:nvPr>
-        </p:nvSpPr>
-        <p:spPr/>
-        <p:txBody>
-          <a:bodyPr/>
-          <a:lstStyle/>
-          <a:p>
-            <a:r>
-              <a:rPr lang="en-US" b="1" dirty="0" smtClean="0"/>
-              <a:t>Epic: Salesman should upload offline order in website.</a:t>
-            </a:r>
-          </a:p>
-          <a:p>
-            <a:pPr marL="0" indent="0">
-              <a:buNone/>
-            </a:pPr>
-            <a:r>
-              <a:rPr lang="en-US" dirty="0" smtClean="0"/>
-              <a:t>User Story: </a:t>
-            </a:r>
-          </a:p>
-          <a:p>
-            <a:pPr marL="457200" indent="-457200">
-              <a:buFont typeface="+mj-lt"/>
-              <a:buAutoNum type="arabicPeriod"/>
-            </a:pPr>
-            <a:r>
-              <a:rPr lang="en-US" dirty="0" smtClean="0"/>
-              <a:t>Salesman will upload order details like product id, quantity price etc.</a:t>
-            </a:r>
-          </a:p>
-          <a:p>
-            <a:pPr marL="457200" indent="-457200">
-              <a:buFont typeface="+mj-lt"/>
-              <a:buAutoNum type="arabicPeriod"/>
-            </a:pPr>
-            <a:r>
-              <a:rPr lang="en-US" dirty="0" smtClean="0"/>
-              <a:t>Salesman can update or remove offline order details.</a:t>
-            </a:r>
-          </a:p>
-          <a:p>
-            <a:pPr marL="457200" indent="-457200">
-              <a:buFont typeface="+mj-lt"/>
-              <a:buAutoNum type="arabicPeriod"/>
-            </a:pPr>
-            <a:r>
-              <a:rPr lang="en-US" dirty="0" smtClean="0"/>
-              <a:t>Salesman can get details of all order using retailer id.</a:t>
-            </a:r>
-          </a:p>
-          <a:p>
-            <a:pPr lvl="0">
-              <a:buClr>
-                <a:srgbClr val="1E5155">
-                  <a:lumMod val="40000"/>
-                  <a:lumOff val="60000"/>
-                </a:srgbClr>
-              </a:buClr>
-            </a:pPr>
-            <a:r>
-              <a:rPr lang="en-US" b="1" dirty="0">
-                <a:solidFill>
-                  <a:prstClr val="white"/>
-                </a:solidFill>
-              </a:rPr>
-              <a:t>Epic: Salesman should upload offline </a:t>
-            </a:r>
-            <a:r>
-              <a:rPr lang="en-US" b="1" dirty="0" smtClean="0">
-                <a:solidFill>
-                  <a:prstClr val="white"/>
-                </a:solidFill>
-              </a:rPr>
-              <a:t>returns </a:t>
-            </a:r>
-            <a:r>
-              <a:rPr lang="en-US" b="1" dirty="0">
-                <a:solidFill>
-                  <a:prstClr val="white"/>
-                </a:solidFill>
-              </a:rPr>
-              <a:t>in website</a:t>
-            </a:r>
-            <a:r>
-              <a:rPr lang="en-US" b="1" dirty="0" smtClean="0">
-                <a:solidFill>
-                  <a:prstClr val="white"/>
-                </a:solidFill>
-              </a:rPr>
-              <a:t>.</a:t>
-            </a:r>
-          </a:p>
-          <a:p>
-            <a:pPr marL="0" lvl="0" indent="0">
-              <a:buClr>
-                <a:srgbClr val="1E5155">
-                  <a:lumMod val="40000"/>
-                  <a:lumOff val="60000"/>
-                </a:srgbClr>
-              </a:buClr>
-              <a:buNone/>
-            </a:pPr>
-            <a:r>
-              <a:rPr lang="en-US" dirty="0" smtClean="0">
-                <a:solidFill>
-                  <a:prstClr val="white"/>
-                </a:solidFill>
-              </a:rPr>
-              <a:t>User Story:</a:t>
-            </a:r>
-          </a:p>
-          <a:p>
-            <a:pPr marL="457200" lvl="0" indent="-457200">
-              <a:buClr>
-                <a:srgbClr val="1E5155">
-                  <a:lumMod val="40000"/>
-                  <a:lumOff val="60000"/>
-                </a:srgbClr>
-              </a:buClr>
-              <a:buFont typeface="+mj-lt"/>
-              <a:buAutoNum type="arabicPeriod"/>
-            </a:pPr>
-            <a:r>
-              <a:rPr lang="en-US" dirty="0" smtClean="0">
-                <a:solidFill>
-                  <a:prstClr val="white"/>
-                </a:solidFill>
-              </a:rPr>
-              <a:t>Salesman can upload return details by adding reason for </a:t>
-            </a:r>
-            <a:r>
-              <a:rPr lang="en-US" dirty="0" smtClean="0">
-                <a:solidFill>
-                  <a:prstClr val="white"/>
-                </a:solidFill>
-              </a:rPr>
-              <a:t>returns.</a:t>
-            </a:r>
-            <a:endParaRPr lang="en-US" dirty="0" smtClean="0">
-              <a:solidFill>
-                <a:prstClr val="white"/>
-              </a:solidFill>
-            </a:endParaRPr>
-          </a:p>
-          <a:p>
-            <a:pPr marL="457200" lvl="0" indent="-457200">
-              <a:buClr>
-                <a:srgbClr val="1E5155">
-                  <a:lumMod val="40000"/>
-                  <a:lumOff val="60000"/>
-                </a:srgbClr>
-              </a:buClr>
-              <a:buFont typeface="+mj-lt"/>
-              <a:buAutoNum type="arabicPeriod"/>
-            </a:pPr>
-            <a:r>
-              <a:rPr lang="en-US" dirty="0" smtClean="0">
-                <a:solidFill>
-                  <a:prstClr val="white"/>
-                </a:solidFill>
-              </a:rPr>
-              <a:t>Salesman can get details of all return using order id.</a:t>
-            </a:r>
-          </a:p>
-          <a:p>
-            <a:pPr marL="457200" lvl="0" indent="-457200">
-              <a:buClr>
-                <a:srgbClr val="1E5155">
-                  <a:lumMod val="40000"/>
-                  <a:lumOff val="60000"/>
-                </a:srgbClr>
-              </a:buClr>
-              <a:buFont typeface="+mj-lt"/>
-              <a:buAutoNum type="arabicPeriod"/>
-            </a:pPr>
-            <a:endParaRPr lang="en-US" dirty="0">
-              <a:solidFill>
-                <a:prstClr val="white"/>
-              </a:solidFill>
-            </a:endParaRPr>
-          </a:p>
-          <a:p>
-            <a:pPr marL="0" indent="0">
-              <a:buNone/>
-            </a:pPr>
-            <a:endParaRPr lang="en-US" dirty="0" smtClean="0"/>
-          </a:p>
-          <a:p>
-            <a:pPr marL="457200" indent="-457200">
-              <a:buFont typeface="+mj-lt"/>
-              <a:buAutoNum type="arabicPeriod"/>
-            </a:pPr>
-            <a:endParaRPr lang="en-US" dirty="0"/>
-          </a:p>
-        </p:txBody>
-      </p:sp>
-    </p:spTree>
-    <p:extLst>
-      <p:ext uri="{BB962C8B-B14F-4D97-AF65-F5344CB8AC3E}">
-        <p14:creationId xmlns:p14="http://schemas.microsoft.com/office/powerpoint/2010/main" val="2679727644"/>
-      </p:ext>
-    </p:extLst>
-  </p:cSld>
-  <p:clrMapOvr>
-    <a:masterClrMapping/>
-  </p:clrMapOvr>
-  <p:timing>
-    <p:tnLst>
-      <p:par>
-        <p:cTn id="1" dur="indefinite" restart="never" nodeType="tmRoot"/>
-      </p:par>
-    </p:tnLst>
-  </p:timing>
-</p:sld>
-</file>
-
-<file path=ppt/slides/slide3.xml><?xml version="1.0" encoding="utf-8"?>
-<p:sld xmlns:a="http://schemas.openxmlformats.org/drawingml/2006/main" xmlns:r="http://schemas.openxmlformats.org/officeDocument/2006/relationships" xmlns:p="http://schemas.openxmlformats.org/presentationml/2006/main">
-  <p:cSld>
-    <p:spTree>
-      <p:nvGrpSpPr>
-        <p:cNvPr id="1" name=""/>
-        <p:cNvGrpSpPr/>
-        <p:nvPr/>
-      </p:nvGrpSpPr>
-      <p:grpSpPr>
-        <a:xfrm>
-          <a:off x="0" y="0"/>
-          <a:ext cx="0" cy="0"/>
-          <a:chOff x="0" y="0"/>
-          <a:chExt cx="0" cy="0"/>
-        </a:xfrm>
-      </p:grpSpPr>
       <p:pic>
         <p:nvPicPr>
           <p:cNvPr id="8194" name="Picture 2" descr="https://documents.lucidchart.com/documents/a1e98e32-fd67-464b-b282-dac8597c6c15/pages/0_0?a=1135&amp;x=185&amp;y=-27&amp;w=917&amp;h=1034&amp;store=1&amp;accept=image%2F*&amp;auth=LCA%203e7f88521c0b148b8ab928d438fc140c725e483c-ts%3D1568551211"/>
@@ -6974,7 +6709,7 @@
 </p:sld>
 </file>
 
-<file path=ppt/slides/slide4.xml><?xml version="1.0" encoding="utf-8"?>
+<file path=ppt/slides/slide3.xml><?xml version="1.0" encoding="utf-8"?>
 <p:sld xmlns:a="http://schemas.openxmlformats.org/drawingml/2006/main" xmlns:r="http://schemas.openxmlformats.org/officeDocument/2006/relationships" xmlns:p="http://schemas.openxmlformats.org/presentationml/2006/main">
   <p:cSld>
     <p:spTree>
@@ -7052,7 +6787,7 @@
 </p:sld>
 </file>
 
-<file path=ppt/slides/slide5.xml><?xml version="1.0" encoding="utf-8"?>
+<file path=ppt/slides/slide4.xml><?xml version="1.0" encoding="utf-8"?>
 <p:sld xmlns:a="http://schemas.openxmlformats.org/drawingml/2006/main" xmlns:r="http://schemas.openxmlformats.org/officeDocument/2006/relationships" xmlns:p="http://schemas.openxmlformats.org/presentationml/2006/main">
   <p:cSld>
     <p:spTree>
@@ -7114,6 +6849,276 @@
     <p:extLst>
       <p:ext uri="{BB962C8B-B14F-4D97-AF65-F5344CB8AC3E}">
         <p14:creationId xmlns:p14="http://schemas.microsoft.com/office/powerpoint/2010/main" val="2077256396"/>
+      </p:ext>
+    </p:extLst>
+  </p:cSld>
+  <p:clrMapOvr>
+    <a:masterClrMapping/>
+  </p:clrMapOvr>
+  <p:timing>
+    <p:tnLst>
+      <p:par>
+        <p:cTn id="1" dur="indefinite" restart="never" nodeType="tmRoot"/>
+      </p:par>
+    </p:tnLst>
+  </p:timing>
+</p:sld>
+</file>
+
+<file path=ppt/slides/slide5.xml><?xml version="1.0" encoding="utf-8"?>
+<p:sld xmlns:a="http://schemas.openxmlformats.org/drawingml/2006/main" xmlns:r="http://schemas.openxmlformats.org/officeDocument/2006/relationships" xmlns:p="http://schemas.openxmlformats.org/presentationml/2006/main">
+  <p:cSld>
+    <p:spTree>
+      <p:nvGrpSpPr>
+        <p:cNvPr id="1" name=""/>
+        <p:cNvGrpSpPr/>
+        <p:nvPr/>
+      </p:nvGrpSpPr>
+      <p:grpSpPr>
+        <a:xfrm>
+          <a:off x="0" y="0"/>
+          <a:ext cx="0" cy="0"/>
+          <a:chOff x="0" y="0"/>
+          <a:chExt cx="0" cy="0"/>
+        </a:xfrm>
+      </p:grpSpPr>
+      <p:sp>
+        <p:nvSpPr>
+          <p:cNvPr id="2" name="Title 1"/>
+          <p:cNvSpPr>
+            <a:spLocks noGrp="1"/>
+          </p:cNvSpPr>
+          <p:nvPr>
+            <p:ph type="title"/>
+          </p:nvPr>
+        </p:nvSpPr>
+        <p:spPr/>
+        <p:txBody>
+          <a:bodyPr/>
+          <a:lstStyle/>
+          <a:p>
+            <a:r>
+              <a:rPr lang="en-US" dirty="0" smtClean="0"/>
+              <a:t>Epic and User Stories</a:t>
+            </a:r>
+            <a:endParaRPr lang="en-US" dirty="0"/>
+          </a:p>
+        </p:txBody>
+      </p:sp>
+      <p:sp>
+        <p:nvSpPr>
+          <p:cNvPr id="3" name="Content Placeholder 2"/>
+          <p:cNvSpPr>
+            <a:spLocks noGrp="1"/>
+          </p:cNvSpPr>
+          <p:nvPr>
+            <p:ph idx="1"/>
+          </p:nvPr>
+        </p:nvSpPr>
+        <p:spPr/>
+        <p:txBody>
+          <a:bodyPr/>
+          <a:lstStyle/>
+          <a:p>
+            <a:r>
+              <a:rPr lang="en-US" b="1" dirty="0" smtClean="0"/>
+              <a:t>Epic: Salesman should upload offline order in website.</a:t>
+            </a:r>
+          </a:p>
+          <a:p>
+            <a:pPr marL="0" indent="0">
+              <a:buNone/>
+            </a:pPr>
+            <a:r>
+              <a:rPr lang="en-US" dirty="0" smtClean="0"/>
+              <a:t>User </a:t>
+            </a:r>
+            <a:r>
+              <a:rPr lang="en-US" dirty="0" smtClean="0"/>
+              <a:t>Stories: </a:t>
+            </a:r>
+            <a:endParaRPr lang="en-US" dirty="0" smtClean="0"/>
+          </a:p>
+          <a:p>
+            <a:pPr marL="457200" indent="-457200">
+              <a:buFont typeface="+mj-lt"/>
+              <a:buAutoNum type="arabicPeriod"/>
+            </a:pPr>
+            <a:r>
+              <a:rPr lang="en-US" dirty="0" smtClean="0"/>
+              <a:t>Salesman will upload order details like product id, quantity price etc.</a:t>
+            </a:r>
+          </a:p>
+          <a:p>
+            <a:pPr marL="457200" indent="-457200">
+              <a:buFont typeface="+mj-lt"/>
+              <a:buAutoNum type="arabicPeriod"/>
+            </a:pPr>
+            <a:r>
+              <a:rPr lang="en-US" dirty="0" smtClean="0"/>
+              <a:t>Salesman can update or remove offline order details.</a:t>
+            </a:r>
+          </a:p>
+          <a:p>
+            <a:pPr marL="457200" indent="-457200">
+              <a:buFont typeface="+mj-lt"/>
+              <a:buAutoNum type="arabicPeriod"/>
+            </a:pPr>
+            <a:r>
+              <a:rPr lang="en-US" dirty="0" smtClean="0"/>
+              <a:t>Salesman can get details of all order using retailer id.</a:t>
+            </a:r>
+          </a:p>
+          <a:p>
+            <a:pPr lvl="0">
+              <a:buClr>
+                <a:srgbClr val="1E5155">
+                  <a:lumMod val="40000"/>
+                  <a:lumOff val="60000"/>
+                </a:srgbClr>
+              </a:buClr>
+            </a:pPr>
+            <a:r>
+              <a:rPr lang="en-US" b="1" dirty="0">
+                <a:solidFill>
+                  <a:prstClr val="white"/>
+                </a:solidFill>
+              </a:rPr>
+              <a:t>Epic: Salesman should upload offline </a:t>
+            </a:r>
+            <a:r>
+              <a:rPr lang="en-US" b="1" dirty="0" smtClean="0">
+                <a:solidFill>
+                  <a:prstClr val="white"/>
+                </a:solidFill>
+              </a:rPr>
+              <a:t>returns </a:t>
+            </a:r>
+            <a:r>
+              <a:rPr lang="en-US" b="1" dirty="0">
+                <a:solidFill>
+                  <a:prstClr val="white"/>
+                </a:solidFill>
+              </a:rPr>
+              <a:t>in website</a:t>
+            </a:r>
+            <a:r>
+              <a:rPr lang="en-US" b="1" dirty="0" smtClean="0">
+                <a:solidFill>
+                  <a:prstClr val="white"/>
+                </a:solidFill>
+              </a:rPr>
+              <a:t>.</a:t>
+            </a:r>
+          </a:p>
+          <a:p>
+            <a:pPr marL="0" lvl="0" indent="0">
+              <a:buClr>
+                <a:srgbClr val="1E5155">
+                  <a:lumMod val="40000"/>
+                  <a:lumOff val="60000"/>
+                </a:srgbClr>
+              </a:buClr>
+              <a:buNone/>
+            </a:pPr>
+            <a:r>
+              <a:rPr lang="en-US" dirty="0" smtClean="0">
+                <a:solidFill>
+                  <a:prstClr val="white"/>
+                </a:solidFill>
+              </a:rPr>
+              <a:t>User </a:t>
+            </a:r>
+            <a:r>
+              <a:rPr lang="en-US" dirty="0" smtClean="0">
+                <a:solidFill>
+                  <a:prstClr val="white"/>
+                </a:solidFill>
+              </a:rPr>
+              <a:t>Stories:</a:t>
+            </a:r>
+            <a:endParaRPr lang="en-US" dirty="0" smtClean="0">
+              <a:solidFill>
+                <a:prstClr val="white"/>
+              </a:solidFill>
+            </a:endParaRPr>
+          </a:p>
+          <a:p>
+            <a:pPr marL="457200" lvl="0" indent="-457200">
+              <a:buClr>
+                <a:srgbClr val="1E5155">
+                  <a:lumMod val="40000"/>
+                  <a:lumOff val="60000"/>
+                </a:srgbClr>
+              </a:buClr>
+              <a:buFont typeface="+mj-lt"/>
+              <a:buAutoNum type="arabicPeriod"/>
+            </a:pPr>
+            <a:r>
+              <a:rPr lang="en-US" dirty="0" smtClean="0">
+                <a:solidFill>
+                  <a:prstClr val="white"/>
+                </a:solidFill>
+              </a:rPr>
+              <a:t>Salesman can upload return details by adding reason for returns.</a:t>
+            </a:r>
+          </a:p>
+          <a:p>
+            <a:pPr marL="457200" lvl="0" indent="-457200">
+              <a:buClr>
+                <a:srgbClr val="1E5155">
+                  <a:lumMod val="40000"/>
+                  <a:lumOff val="60000"/>
+                </a:srgbClr>
+              </a:buClr>
+              <a:buFont typeface="+mj-lt"/>
+              <a:buAutoNum type="arabicPeriod"/>
+            </a:pPr>
+            <a:r>
+              <a:rPr lang="en-US" dirty="0" smtClean="0">
+                <a:solidFill>
+                  <a:prstClr val="white"/>
+                </a:solidFill>
+              </a:rPr>
+              <a:t>Salesman can get details of all return using order id.</a:t>
+            </a:r>
+          </a:p>
+          <a:p>
+            <a:pPr marL="457200" lvl="0" indent="-457200">
+              <a:buClr>
+                <a:srgbClr val="1E5155">
+                  <a:lumMod val="40000"/>
+                  <a:lumOff val="60000"/>
+                </a:srgbClr>
+              </a:buClr>
+              <a:buFont typeface="+mj-lt"/>
+              <a:buAutoNum type="arabicPeriod"/>
+            </a:pPr>
+            <a:endParaRPr lang="en-US" dirty="0">
+              <a:solidFill>
+                <a:prstClr val="white"/>
+              </a:solidFill>
+            </a:endParaRPr>
+          </a:p>
+          <a:p>
+            <a:pPr marL="0" indent="0">
+              <a:buNone/>
+            </a:pPr>
+            <a:endParaRPr lang="en-US" dirty="0" smtClean="0"/>
+          </a:p>
+          <a:p>
+            <a:pPr marL="457200" indent="-457200">
+              <a:buFont typeface="+mj-lt"/>
+              <a:buAutoNum type="arabicPeriod"/>
+            </a:pPr>
+            <a:endParaRPr lang="en-US" dirty="0"/>
+          </a:p>
+        </p:txBody>
+      </p:sp>
+    </p:spTree>
+    <p:extLst>
+      <p:ext uri="{BB962C8B-B14F-4D97-AF65-F5344CB8AC3E}">
+        <p14:creationId xmlns:p14="http://schemas.microsoft.com/office/powerpoint/2010/main" val="2679727644"/>
       </p:ext>
     </p:extLst>
   </p:cSld>

--- a/Presentation/Group B greatOutdoors_ABHISHEK.pptx
+++ b/Presentation/Group B greatOutdoors_ABHISHEK.pptx
@@ -115,6 +115,11 @@
       </a:defRPr>
     </a:lvl9pPr>
   </p:defaultTextStyle>
+  <p:extLst>
+    <p:ext uri="{EFAFB233-063F-42B5-8137-9DF3F51BA10A}">
+      <p15:sldGuideLst xmlns:p15="http://schemas.microsoft.com/office/powerpoint/2012/main"/>
+    </p:ext>
+  </p:extLst>
 </p:presentation>
 </file>
 
@@ -304,7 +309,7 @@
           <a:p>
             <a:fld id="{A7935A75-0220-419E-84F5-C467564B8A31}" type="datetimeFigureOut">
               <a:rPr lang="en-US" smtClean="0"/>
-              <a:t>9/15/2019</a:t>
+              <a:t>9/16/2019</a:t>
             </a:fld>
             <a:endParaRPr lang="en-US"/>
           </a:p>
@@ -579,7 +584,7 @@
           <a:p>
             <a:fld id="{A7935A75-0220-419E-84F5-C467564B8A31}" type="datetimeFigureOut">
               <a:rPr lang="en-US" smtClean="0"/>
-              <a:t>9/15/2019</a:t>
+              <a:t>9/16/2019</a:t>
             </a:fld>
             <a:endParaRPr lang="en-US"/>
           </a:p>
@@ -773,7 +778,7 @@
           <a:p>
             <a:fld id="{A7935A75-0220-419E-84F5-C467564B8A31}" type="datetimeFigureOut">
               <a:rPr lang="en-US" smtClean="0"/>
-              <a:t>9/15/2019</a:t>
+              <a:t>9/16/2019</a:t>
             </a:fld>
             <a:endParaRPr lang="en-US"/>
           </a:p>
@@ -1046,7 +1051,7 @@
           <a:p>
             <a:fld id="{A7935A75-0220-419E-84F5-C467564B8A31}" type="datetimeFigureOut">
               <a:rPr lang="en-US" smtClean="0"/>
-              <a:t>9/15/2019</a:t>
+              <a:t>9/16/2019</a:t>
             </a:fld>
             <a:endParaRPr lang="en-US"/>
           </a:p>
@@ -1387,7 +1392,7 @@
           <a:p>
             <a:fld id="{A7935A75-0220-419E-84F5-C467564B8A31}" type="datetimeFigureOut">
               <a:rPr lang="en-US" smtClean="0"/>
-              <a:t>9/15/2019</a:t>
+              <a:t>9/16/2019</a:t>
             </a:fld>
             <a:endParaRPr lang="en-US"/>
           </a:p>
@@ -2010,7 +2015,7 @@
           <a:p>
             <a:fld id="{A7935A75-0220-419E-84F5-C467564B8A31}" type="datetimeFigureOut">
               <a:rPr lang="en-US" smtClean="0"/>
-              <a:t>9/15/2019</a:t>
+              <a:t>9/16/2019</a:t>
             </a:fld>
             <a:endParaRPr lang="en-US"/>
           </a:p>
@@ -2870,7 +2875,7 @@
           <a:p>
             <a:fld id="{A7935A75-0220-419E-84F5-C467564B8A31}" type="datetimeFigureOut">
               <a:rPr lang="en-US" smtClean="0"/>
-              <a:t>9/15/2019</a:t>
+              <a:t>9/16/2019</a:t>
             </a:fld>
             <a:endParaRPr lang="en-US"/>
           </a:p>
@@ -3040,7 +3045,7 @@
           <a:p>
             <a:fld id="{A7935A75-0220-419E-84F5-C467564B8A31}" type="datetimeFigureOut">
               <a:rPr lang="en-US" smtClean="0"/>
-              <a:t>9/15/2019</a:t>
+              <a:t>9/16/2019</a:t>
             </a:fld>
             <a:endParaRPr lang="en-US"/>
           </a:p>
@@ -3220,7 +3225,7 @@
           <a:p>
             <a:fld id="{A7935A75-0220-419E-84F5-C467564B8A31}" type="datetimeFigureOut">
               <a:rPr lang="en-US" smtClean="0"/>
-              <a:t>9/15/2019</a:t>
+              <a:t>9/16/2019</a:t>
             </a:fld>
             <a:endParaRPr lang="en-US"/>
           </a:p>
@@ -3390,7 +3395,7 @@
           <a:p>
             <a:fld id="{A7935A75-0220-419E-84F5-C467564B8A31}" type="datetimeFigureOut">
               <a:rPr lang="en-US" smtClean="0"/>
-              <a:t>9/15/2019</a:t>
+              <a:t>9/16/2019</a:t>
             </a:fld>
             <a:endParaRPr lang="en-US"/>
           </a:p>
@@ -3637,7 +3642,7 @@
           <a:p>
             <a:fld id="{A7935A75-0220-419E-84F5-C467564B8A31}" type="datetimeFigureOut">
               <a:rPr lang="en-US" smtClean="0"/>
-              <a:t>9/15/2019</a:t>
+              <a:t>9/16/2019</a:t>
             </a:fld>
             <a:endParaRPr lang="en-US"/>
           </a:p>
@@ -3929,7 +3934,7 @@
           <a:p>
             <a:fld id="{A7935A75-0220-419E-84F5-C467564B8A31}" type="datetimeFigureOut">
               <a:rPr lang="en-US" smtClean="0"/>
-              <a:t>9/15/2019</a:t>
+              <a:t>9/16/2019</a:t>
             </a:fld>
             <a:endParaRPr lang="en-US"/>
           </a:p>
@@ -4373,7 +4378,7 @@
           <a:p>
             <a:fld id="{A7935A75-0220-419E-84F5-C467564B8A31}" type="datetimeFigureOut">
               <a:rPr lang="en-US" smtClean="0"/>
-              <a:t>9/15/2019</a:t>
+              <a:t>9/16/2019</a:t>
             </a:fld>
             <a:endParaRPr lang="en-US"/>
           </a:p>
@@ -4491,7 +4496,7 @@
           <a:p>
             <a:fld id="{A7935A75-0220-419E-84F5-C467564B8A31}" type="datetimeFigureOut">
               <a:rPr lang="en-US" smtClean="0"/>
-              <a:t>9/15/2019</a:t>
+              <a:t>9/16/2019</a:t>
             </a:fld>
             <a:endParaRPr lang="en-US"/>
           </a:p>
@@ -4586,7 +4591,7 @@
           <a:p>
             <a:fld id="{A7935A75-0220-419E-84F5-C467564B8A31}" type="datetimeFigureOut">
               <a:rPr lang="en-US" smtClean="0"/>
-              <a:t>9/15/2019</a:t>
+              <a:t>9/16/2019</a:t>
             </a:fld>
             <a:endParaRPr lang="en-US"/>
           </a:p>
@@ -4865,7 +4870,7 @@
           <a:p>
             <a:fld id="{A7935A75-0220-419E-84F5-C467564B8A31}" type="datetimeFigureOut">
               <a:rPr lang="en-US" smtClean="0"/>
-              <a:t>9/15/2019</a:t>
+              <a:t>9/16/2019</a:t>
             </a:fld>
             <a:endParaRPr lang="en-US"/>
           </a:p>
@@ -5140,7 +5145,7 @@
           <a:p>
             <a:fld id="{A7935A75-0220-419E-84F5-C467564B8A31}" type="datetimeFigureOut">
               <a:rPr lang="en-US" smtClean="0"/>
-              <a:t>9/15/2019</a:t>
+              <a:t>9/16/2019</a:t>
             </a:fld>
             <a:endParaRPr lang="en-US"/>
           </a:p>
@@ -5569,7 +5574,7 @@
           <a:p>
             <a:fld id="{A7935A75-0220-419E-84F5-C467564B8A31}" type="datetimeFigureOut">
               <a:rPr lang="en-US" smtClean="0"/>
-              <a:t>9/15/2019</a:t>
+              <a:t>9/16/2019</a:t>
             </a:fld>
             <a:endParaRPr lang="en-US"/>
           </a:p>
@@ -6102,7 +6107,7 @@
           <p:cNvPr id="2" name="Title 1">
             <a:extLst>
               <a:ext uri="{FF2B5EF4-FFF2-40B4-BE49-F238E27FC236}">
-                <a16:creationId xmlns:a16="http://schemas.microsoft.com/office/drawing/2014/main" id="{3DE459FE-6616-4ECB-A65C-8FD4C39FAD7A}"/>
+                <a16:creationId xmlns:a16="http://schemas.microsoft.com/office/drawing/2014/main" xmlns="" id="{3DE459FE-6616-4ECB-A65C-8FD4C39FAD7A}"/>
               </a:ext>
             </a:extLst>
           </p:cNvPr>
@@ -6150,7 +6155,7 @@
           <p:cNvPr id="3" name="Subtitle 2">
             <a:extLst>
               <a:ext uri="{FF2B5EF4-FFF2-40B4-BE49-F238E27FC236}">
-                <a16:creationId xmlns:a16="http://schemas.microsoft.com/office/drawing/2014/main" id="{74DD0ECB-3322-428C-8D7C-1FB23DD3AA4D}"/>
+                <a16:creationId xmlns:a16="http://schemas.microsoft.com/office/drawing/2014/main" xmlns="" id="{74DD0ECB-3322-428C-8D7C-1FB23DD3AA4D}"/>
               </a:ext>
             </a:extLst>
           </p:cNvPr>
@@ -6264,26 +6269,23 @@
           <a:p>
             <a:pPr algn="r"/>
             <a:r>
+              <a:rPr lang="en-IN" b="1" dirty="0" smtClean="0">
+                <a:latin typeface="Times New Roman" panose="02020603050405020304" pitchFamily="18" charset="0"/>
+                <a:cs typeface="Times New Roman" panose="02020603050405020304" pitchFamily="18" charset="0"/>
+              </a:rPr>
+              <a:t>Ayush </a:t>
+            </a:r>
+            <a:r>
               <a:rPr lang="en-IN" b="1" dirty="0" err="1" smtClean="0">
                 <a:latin typeface="Times New Roman" panose="02020603050405020304" pitchFamily="18" charset="0"/>
                 <a:cs typeface="Times New Roman" panose="02020603050405020304" pitchFamily="18" charset="0"/>
               </a:rPr>
-              <a:t>Ayush</a:t>
-            </a:r>
-            <a:r>
-              <a:rPr lang="en-IN" b="1" dirty="0" smtClean="0">
-                <a:latin typeface="Times New Roman" panose="02020603050405020304" pitchFamily="18" charset="0"/>
-                <a:cs typeface="Times New Roman" panose="02020603050405020304" pitchFamily="18" charset="0"/>
-              </a:rPr>
-              <a:t> </a:t>
-            </a:r>
-            <a:r>
-              <a:rPr lang="en-IN" b="1" dirty="0">
-                <a:latin typeface="Times New Roman" panose="02020603050405020304" pitchFamily="18" charset="0"/>
-                <a:cs typeface="Times New Roman" panose="02020603050405020304" pitchFamily="18" charset="0"/>
-              </a:rPr>
-              <a:t>Agarwal</a:t>
-            </a:r>
+              <a:t>AgRawal</a:t>
+            </a:r>
+            <a:endParaRPr lang="en-IN" b="1" dirty="0">
+              <a:latin typeface="Times New Roman" panose="02020603050405020304" pitchFamily="18" charset="0"/>
+              <a:cs typeface="Times New Roman" panose="02020603050405020304" pitchFamily="18" charset="0"/>
+            </a:endParaRPr>
           </a:p>
           <a:p>
             <a:pPr algn="r"/>

--- a/Presentation/Group B greatOutdoors_ABHISHEK.pptx
+++ b/Presentation/Group B greatOutdoors_ABHISHEK.pptx
@@ -6107,7 +6107,7 @@
           <p:cNvPr id="2" name="Title 1">
             <a:extLst>
               <a:ext uri="{FF2B5EF4-FFF2-40B4-BE49-F238E27FC236}">
-                <a16:creationId xmlns:a16="http://schemas.microsoft.com/office/drawing/2014/main" xmlns="" id="{3DE459FE-6616-4ECB-A65C-8FD4C39FAD7A}"/>
+                <a16:creationId xmlns="" xmlns:a16="http://schemas.microsoft.com/office/drawing/2014/main" id="{3DE459FE-6616-4ECB-A65C-8FD4C39FAD7A}"/>
               </a:ext>
             </a:extLst>
           </p:cNvPr>
@@ -6155,7 +6155,7 @@
           <p:cNvPr id="3" name="Subtitle 2">
             <a:extLst>
               <a:ext uri="{FF2B5EF4-FFF2-40B4-BE49-F238E27FC236}">
-                <a16:creationId xmlns:a16="http://schemas.microsoft.com/office/drawing/2014/main" xmlns="" id="{74DD0ECB-3322-428C-8D7C-1FB23DD3AA4D}"/>
+                <a16:creationId xmlns="" xmlns:a16="http://schemas.microsoft.com/office/drawing/2014/main" id="{74DD0ECB-3322-428C-8D7C-1FB23DD3AA4D}"/>
               </a:ext>
             </a:extLst>
           </p:cNvPr>
@@ -6806,7 +6806,7 @@
       </p:grpSpPr>
       <p:pic>
         <p:nvPicPr>
-          <p:cNvPr id="9218" name="Picture 2" descr="https://documents.lucidchart.com/documents/a1e98e32-fd67-464b-b282-dac8597c6c15/pages/0_0?a=1506&amp;x=184&amp;y=99&amp;w=939&amp;h=902&amp;store=1&amp;accept=image%2F*&amp;auth=LCA%206c4d2f0a77e2376fba87e1950dca53b9c694f8e7-ts%3D1568551211"/>
+          <p:cNvPr id="1028" name="Picture 4" descr="https://documents.lucidchart.com/documents/a1e98e32-fd67-464b-b282-dac8597c6c15/pages/0_0?a=1526&amp;x=168&amp;y=104&amp;w=704&amp;h=792&amp;store=1&amp;accept=image%2F*&amp;auth=LCA%204c44e5db612600b6a6341e045dd9a18abec8acb5-ts%3D1568631365"/>
           <p:cNvPicPr>
             <a:picLocks noChangeAspect="1" noChangeArrowheads="1"/>
           </p:cNvPicPr>
@@ -6827,8 +6827,8 @@
         </p:blipFill>
         <p:spPr bwMode="auto">
           <a:xfrm>
-            <a:off x="2289174" y="138545"/>
-            <a:ext cx="6771699" cy="6719455"/>
+            <a:off x="3202485" y="518567"/>
+            <a:ext cx="5029200" cy="5657850"/>
           </a:xfrm>
           <a:prstGeom prst="rect">
             <a:avLst/>
@@ -6931,13 +6931,8 @@
             </a:pPr>
             <a:r>
               <a:rPr lang="en-US" dirty="0" smtClean="0"/>
-              <a:t>User </a:t>
-            </a:r>
-            <a:r>
-              <a:rPr lang="en-US" dirty="0" smtClean="0"/>
-              <a:t>Stories: </a:t>
-            </a:r>
-            <a:endParaRPr lang="en-US" dirty="0" smtClean="0"/>
+              <a:t>User Stories: </a:t>
+            </a:r>
           </a:p>
           <a:p>
             <a:pPr marL="457200" indent="-457200">
@@ -7027,21 +7022,8 @@
                   <a:prstClr val="white"/>
                 </a:solidFill>
               </a:rPr>
-              <a:t>User </a:t>
-            </a:r>
-            <a:r>
-              <a:rPr lang="en-US" dirty="0" smtClean="0">
-                <a:solidFill>
-                  <a:prstClr val="white"/>
-                </a:solidFill>
-              </a:rPr>
-              <a:t>Stories:</a:t>
-            </a:r>
-            <a:endParaRPr lang="en-US" dirty="0" smtClean="0">
-              <a:solidFill>
-                <a:prstClr val="white"/>
-              </a:solidFill>
-            </a:endParaRPr>
+              <a:t>User Stories:</a:t>
+            </a:r>
           </a:p>
           <a:p>
             <a:pPr marL="457200" lvl="0" indent="-457200">
